--- a/Documentation/Slides/Week_11.pptx
+++ b/Documentation/Slides/Week_11.pptx
@@ -5,47 +5,46 @@
     <p:sldMasterId id="2147483648" r:id="rId4"/>
   </p:sldMasterIdLst>
   <p:notesMasterIdLst>
-    <p:notesMasterId r:id="rId14"/>
+    <p:notesMasterId r:id="rId13"/>
   </p:notesMasterIdLst>
   <p:sldIdLst>
     <p:sldId id="267" r:id="rId5"/>
     <p:sldId id="279" r:id="rId6"/>
     <p:sldId id="280" r:id="rId7"/>
-    <p:sldId id="285" r:id="rId8"/>
-    <p:sldId id="286" r:id="rId9"/>
-    <p:sldId id="288" r:id="rId10"/>
-    <p:sldId id="287" r:id="rId11"/>
-    <p:sldId id="278" r:id="rId12"/>
-    <p:sldId id="277" r:id="rId13"/>
+    <p:sldId id="289" r:id="rId8"/>
+    <p:sldId id="285" r:id="rId9"/>
+    <p:sldId id="290" r:id="rId10"/>
+    <p:sldId id="278" r:id="rId11"/>
+    <p:sldId id="277" r:id="rId12"/>
   </p:sldIdLst>
   <p:sldSz cx="9144000" cy="6858000" type="screen4x3"/>
   <p:notesSz cx="6858000" cy="9144000"/>
   <p:embeddedFontLst>
     <p:embeddedFont>
       <p:font typeface="Acumin Pro Condensed Semibold" panose="020B0706020202020204" pitchFamily="34" charset="77"/>
-      <p:regular r:id="rId15"/>
-      <p:bold r:id="rId16"/>
-      <p:italic r:id="rId17"/>
-      <p:boldItalic r:id="rId18"/>
+      <p:regular r:id="rId14"/>
+      <p:bold r:id="rId15"/>
+      <p:italic r:id="rId16"/>
+      <p:boldItalic r:id="rId17"/>
     </p:embeddedFont>
     <p:embeddedFont>
       <p:font typeface="Acumin Pro Medium" panose="020B0604020202020204" pitchFamily="34" charset="77"/>
-      <p:regular r:id="rId19"/>
-      <p:italic r:id="rId20"/>
+      <p:regular r:id="rId18"/>
+      <p:italic r:id="rId19"/>
     </p:embeddedFont>
     <p:embeddedFont>
       <p:font typeface="Franklin Gothic Book" panose="020B0503020102020204" pitchFamily="34" charset="0"/>
-      <p:regular r:id="rId21"/>
-      <p:italic r:id="rId22"/>
+      <p:regular r:id="rId20"/>
+      <p:italic r:id="rId21"/>
     </p:embeddedFont>
     <p:embeddedFont>
       <p:font typeface="Franklin Gothic Medium" panose="020B0603020102020204" pitchFamily="34" charset="0"/>
-      <p:regular r:id="rId23"/>
-      <p:italic r:id="rId24"/>
+      <p:regular r:id="rId22"/>
+      <p:italic r:id="rId23"/>
     </p:embeddedFont>
     <p:embeddedFont>
       <p:font typeface="Franklin Gothic Medium Cond" panose="020B0606030402020204" pitchFamily="34" charset="0"/>
-      <p:regular r:id="rId25"/>
+      <p:regular r:id="rId24"/>
     </p:embeddedFont>
   </p:embeddedFontLst>
   <p:defaultTextStyle>
@@ -166,6 +165,34 @@
 <p188:authorLst xmlns:a="http://schemas.openxmlformats.org/drawingml/2006/main" xmlns:r="http://schemas.openxmlformats.org/officeDocument/2006/relationships" xmlns:p188="http://schemas.microsoft.com/office/powerpoint/2018/8/main">
   <p188:author id="{A26CE219-6CB4-4D82-2315-C217F06FFCCD}" name="Hiller, Kelly R" initials="HKR" userId="S::khiller@purdue.edu::b25b1487-7f5e-4b7f-a0b2-f8bcb0b1ea5a" providerId="AD"/>
 </p188:authorLst>
+</file>
+
+<file path=ppt/ink/ink1.xml><?xml version="1.0" encoding="utf-8"?>
+<inkml:ink xmlns:inkml="http://www.w3.org/2003/InkML">
+  <inkml:definitions>
+    <inkml:context xml:id="ctx0">
+      <inkml:inkSource xml:id="inkSrc0">
+        <inkml:traceFormat>
+          <inkml:channel name="X" type="integer" min="-2.14748E9" max="2.14748E9" units="cm"/>
+          <inkml:channel name="Y" type="integer" min="-2.14748E9" max="2.14748E9" units="cm"/>
+          <inkml:channel name="F" type="integer" max="32767" units="dev"/>
+        </inkml:traceFormat>
+        <inkml:channelProperties>
+          <inkml:channelProperty channel="X" name="resolution" value="1000" units="1/cm"/>
+          <inkml:channelProperty channel="Y" name="resolution" value="1000" units="1/cm"/>
+          <inkml:channelProperty channel="F" name="resolution" value="0" units="1/dev"/>
+        </inkml:channelProperties>
+      </inkml:inkSource>
+      <inkml:timestamp xml:id="ts0" timeString="2025-11-24T18:37:35.049"/>
+    </inkml:context>
+    <inkml:brush xml:id="br0">
+      <inkml:brushProperty name="width" value="0.05" units="cm"/>
+      <inkml:brushProperty name="height" value="0.05" units="cm"/>
+      <inkml:brushProperty name="color" value="#E71225"/>
+    </inkml:brush>
+  </inkml:definitions>
+  <inkml:trace contextRef="#ctx0" brushRef="#br0">1861 205 24575,'-15'0'0,"-9"0"0,-16 0 0,-11 0 0,-16 0 0,-8 0 0,-5 0 0,-14 0 0,42 0 0,-1 0 0,0 0 0,-2 0 0,-4 0 0,-2 0 0,-1 0 0,-1 0 0,-3 2 0,1 1 0,6 1 0,1 2 0,0 4 0,1 2 0,1 3 0,0 2 0,3 0 0,1 2 0,-4 0 0,2 1 0,-29 14 0,21-4 0,15-4 0,14-3 0,11-6 0,10-5 0,7-2 0,3 3 0,2 6 0,0 5 0,0 4 0,0 0 0,0 3 0,7 5 0,15 6 0,24 6 0,23 1 0,19-3 0,-37-25 0,2-3 0,4-2 0,2-2 0,4-4 0,1-2 0,1-3 0,1-2 0,-1-1 0,-2-1 0,-2-1 0,-1 0 0,-2-1 0,-1 0 0,-3-2 0,-1-3 0,0-2 0,-2-3 0,0-2 0,-1-2 0,1-2 0,-1-2 0,0 1 0,-1-2 0,1 1 0,0 0 0,0-1 0,-1-1 0,-2 1 0,-2 0 0,36-18 0,-16 1 0,-13 3 0,-11 2 0,-7-2 0,-7-5 0,-7-12 0,-6-12 0,-6-8 0,-11-3 0,-23 6 0,-30 10 0,11 32 0,-6 4 0,-16 3 0,-5 4 0,-11 4 0,-3 3 0,-2 2 0,0 2 0,1 3 0,2 1-1357,12 0 0,7 0 0,-11 0 1,29 0-1</inkml:trace>
+</inkml:ink>
 </file>
 
 <file path=ppt/notesMasters/notesMaster1.xml><?xml version="1.0" encoding="utf-8"?>
@@ -13598,7 +13625,7 @@
             </a:r>
             <a:r>
               <a:rPr lang="en-US" dirty="0"/>
-              <a:t>13</a:t>
+              <a:t>14</a:t>
             </a:r>
             <a:endParaRPr lang="en-US" b="1" dirty="0">
               <a:latin typeface="Acumin Pro Condensed Semibold" panose="020B0506020202020204" pitchFamily="34" charset="77"/>
@@ -13661,7 +13688,7 @@
           <a:p>
             <a:r>
               <a:rPr lang="en-US" dirty="0"/>
-              <a:t>11/21/2025</a:t>
+              <a:t>11/24/2025</a:t>
             </a:r>
           </a:p>
         </p:txBody>
@@ -13751,7 +13778,17 @@
             </a:pPr>
             <a:r>
               <a:rPr lang="en-US" dirty="0"/>
-              <a:t>PCBA Setup for Ordering</a:t>
+              <a:t>Form 12 Ordering</a:t>
+            </a:r>
+          </a:p>
+          <a:p>
+            <a:pPr marL="628650" lvl="1" indent="-285750">
+              <a:buFont typeface="Arial" panose="020B0604020202020204" pitchFamily="34" charset="0"/>
+              <a:buChar char="•"/>
+            </a:pPr>
+            <a:r>
+              <a:rPr lang="en-US" dirty="0"/>
+              <a:t>Finished quote for PCB</a:t>
             </a:r>
           </a:p>
           <a:p>
@@ -13761,15 +13798,27 @@
             </a:pPr>
             <a:r>
               <a:rPr lang="en-US" dirty="0"/>
-              <a:t>BOM +  </a:t>
-            </a:r>
-            <a:r>
-              <a:rPr lang="en-US" dirty="0" err="1"/>
-              <a:t>PoS</a:t>
-            </a:r>
-            <a:r>
-              <a:rPr lang="en-US" dirty="0"/>
-              <a:t> File Generation</a:t>
+              <a:t>Mobile App Development</a:t>
+            </a:r>
+          </a:p>
+          <a:p>
+            <a:pPr marL="628650" lvl="1" indent="-285750">
+              <a:buFont typeface="Arial" panose="020B0604020202020204" pitchFamily="34" charset="0"/>
+              <a:buChar char="•"/>
+            </a:pPr>
+            <a:r>
+              <a:rPr lang="en-US" dirty="0"/>
+              <a:t>Frontend Design Started</a:t>
+            </a:r>
+          </a:p>
+          <a:p>
+            <a:pPr marL="628650" lvl="1" indent="-285750">
+              <a:buFont typeface="Arial" panose="020B0604020202020204" pitchFamily="34" charset="0"/>
+              <a:buChar char="•"/>
+            </a:pPr>
+            <a:r>
+              <a:rPr lang="en-US" dirty="0"/>
+              <a:t>Backend Framework Started</a:t>
             </a:r>
           </a:p>
           <a:p>
@@ -13777,20 +13826,7 @@
               <a:buFont typeface="Arial" panose="020B0604020202020204" pitchFamily="34" charset="0"/>
               <a:buChar char="•"/>
             </a:pPr>
-            <a:r>
-              <a:rPr lang="en-US" dirty="0"/>
-              <a:t>Final Routing</a:t>
-            </a:r>
-          </a:p>
-          <a:p>
-            <a:pPr marL="285750" indent="-285750">
-              <a:buFont typeface="Arial" panose="020B0604020202020204" pitchFamily="34" charset="0"/>
-              <a:buChar char="•"/>
-            </a:pPr>
-            <a:r>
-              <a:rPr lang="en-US" dirty="0"/>
-              <a:t>Ordering PCB</a:t>
-            </a:r>
+            <a:endParaRPr lang="en-US" dirty="0"/>
           </a:p>
         </p:txBody>
       </p:sp>
@@ -13904,7 +13940,7 @@
           <a:p>
             <a:r>
               <a:rPr lang="en-US" dirty="0"/>
-              <a:t>Using JLCPCB as a vendor</a:t>
+              <a:t>Form 12 complete and awaiting verification</a:t>
             </a:r>
           </a:p>
         </p:txBody>
@@ -13932,7 +13968,7 @@
           <a:p>
             <a:r>
               <a:rPr lang="en-US" dirty="0"/>
-              <a:t>PCBA Setup for Ordering</a:t>
+              <a:t>Form 12 Ordering</a:t>
             </a:r>
           </a:p>
         </p:txBody>
@@ -13993,89 +14029,51 @@
             </a:pPr>
             <a:r>
               <a:rPr lang="en-US" dirty="0"/>
-              <a:t>Options:</a:t>
-            </a:r>
-          </a:p>
-          <a:p>
-            <a:pPr marL="628650" lvl="1" indent="-285750">
-              <a:buFont typeface="Arial" panose="020B0604020202020204" pitchFamily="34" charset="0"/>
-              <a:buChar char="•"/>
-            </a:pPr>
-            <a:r>
-              <a:rPr lang="en-US" dirty="0"/>
-              <a:t>JLCPCB</a:t>
-            </a:r>
-          </a:p>
-          <a:p>
-            <a:pPr marL="628650" lvl="1" indent="-285750">
-              <a:buFont typeface="Arial" panose="020B0604020202020204" pitchFamily="34" charset="0"/>
-              <a:buChar char="•"/>
-            </a:pPr>
-            <a:r>
-              <a:rPr lang="en-US" dirty="0" err="1"/>
-              <a:t>PCBWay</a:t>
-            </a:r>
+              <a:t>Screenshot of form 12 attached below:</a:t>
+            </a:r>
+          </a:p>
+          <a:p>
             <a:endParaRPr lang="en-US" dirty="0"/>
-          </a:p>
-          <a:p>
-            <a:pPr marL="628650" lvl="1" indent="-285750">
-              <a:buFont typeface="Arial" panose="020B0604020202020204" pitchFamily="34" charset="0"/>
-              <a:buChar char="•"/>
-            </a:pPr>
-            <a:r>
-              <a:rPr lang="en-US" dirty="0"/>
-              <a:t>PCB Trace</a:t>
-            </a:r>
           </a:p>
           <a:p>
             <a:pPr marL="285750" indent="-285750">
               <a:buFont typeface="Arial" panose="020B0604020202020204" pitchFamily="34" charset="0"/>
               <a:buChar char="•"/>
             </a:pPr>
-            <a:r>
-              <a:rPr lang="en-US" dirty="0"/>
-              <a:t>All have ~24 hour lead time + 3 day PCBA time</a:t>
-            </a:r>
-          </a:p>
-          <a:p>
-            <a:pPr marL="285750" indent="-285750">
-              <a:buFont typeface="Arial" panose="020B0604020202020204" pitchFamily="34" charset="0"/>
-              <a:buChar char="•"/>
-            </a:pPr>
-            <a:r>
-              <a:rPr lang="en-US" dirty="0"/>
-              <a:t>Ship time varies</a:t>
-            </a:r>
-          </a:p>
-          <a:p>
-            <a:pPr marL="285750" indent="-285750">
-              <a:buFont typeface="Arial" panose="020B0604020202020204" pitchFamily="34" charset="0"/>
-              <a:buChar char="•"/>
-            </a:pPr>
-            <a:r>
-              <a:rPr lang="en-US" dirty="0"/>
-              <a:t>PCBA on JLCPCB Parts: </a:t>
-            </a:r>
-            <a:r>
-              <a:rPr lang="en-US" dirty="0">
-                <a:hlinkClick r:id="rId2"/>
-              </a:rPr>
-              <a:t>https://jlcpcb.com/parts/in-stock-parts</a:t>
-            </a:r>
             <a:endParaRPr lang="en-US" dirty="0"/>
           </a:p>
-          <a:p>
-            <a:pPr marL="628650" lvl="1" indent="-285750">
-              <a:buFont typeface="Arial" panose="020B0604020202020204" pitchFamily="34" charset="0"/>
-              <a:buChar char="•"/>
-            </a:pPr>
-            <a:r>
-              <a:rPr lang="en-US" dirty="0"/>
-              <a:t>Some parts may be unavailable, need to find alternatives</a:t>
-            </a:r>
-          </a:p>
-        </p:txBody>
-      </p:sp>
+        </p:txBody>
+      </p:sp>
+      <p:pic>
+        <p:nvPicPr>
+          <p:cNvPr id="6" name="Picture 5" descr="A close-up of a form&#10;&#10;AI-generated content may be incorrect.">
+            <a:extLst>
+              <a:ext uri="{FF2B5EF4-FFF2-40B4-BE49-F238E27FC236}">
+                <a16:creationId xmlns:a16="http://schemas.microsoft.com/office/drawing/2014/main" id="{82EBCE9E-298A-EC8A-EDAD-B7A5783C5A14}"/>
+              </a:ext>
+            </a:extLst>
+          </p:cNvPr>
+          <p:cNvPicPr>
+            <a:picLocks noChangeAspect="1"/>
+          </p:cNvPicPr>
+          <p:nvPr/>
+        </p:nvPicPr>
+        <p:blipFill>
+          <a:blip r:embed="rId2"/>
+          <a:stretch>
+            <a:fillRect/>
+          </a:stretch>
+        </p:blipFill>
+        <p:spPr>
+          <a:xfrm>
+            <a:off x="358736" y="1889338"/>
+            <a:ext cx="7772400" cy="3675105"/>
+          </a:xfrm>
+          <a:prstGeom prst="rect">
+            <a:avLst/>
+          </a:prstGeom>
+        </p:spPr>
+      </p:pic>
     </p:spTree>
     <p:extLst>
       <p:ext uri="{BB962C8B-B14F-4D97-AF65-F5344CB8AC3E}">
@@ -14090,6 +14088,260 @@
 </file>
 
 <file path=ppt/slides/slide4.xml><?xml version="1.0" encoding="utf-8"?>
+<p:sld xmlns:a="http://schemas.openxmlformats.org/drawingml/2006/main" xmlns:r="http://schemas.openxmlformats.org/officeDocument/2006/relationships" xmlns:p="http://schemas.openxmlformats.org/presentationml/2006/main">
+  <p:cSld>
+    <p:spTree>
+      <p:nvGrpSpPr>
+        <p:cNvPr id="1" name="">
+          <a:extLst>
+            <a:ext uri="{FF2B5EF4-FFF2-40B4-BE49-F238E27FC236}">
+              <a16:creationId xmlns:a16="http://schemas.microsoft.com/office/drawing/2014/main" id="{CEA427AC-89E0-4CE3-6E4E-240167D0553C}"/>
+            </a:ext>
+          </a:extLst>
+        </p:cNvPr>
+        <p:cNvGrpSpPr/>
+        <p:nvPr/>
+      </p:nvGrpSpPr>
+      <p:grpSpPr>
+        <a:xfrm>
+          <a:off x="0" y="0"/>
+          <a:ext cx="0" cy="0"/>
+          <a:chOff x="0" y="0"/>
+          <a:chExt cx="0" cy="0"/>
+        </a:xfrm>
+      </p:grpSpPr>
+      <p:sp>
+        <p:nvSpPr>
+          <p:cNvPr id="2" name="Text Placeholder 1">
+            <a:extLst>
+              <a:ext uri="{FF2B5EF4-FFF2-40B4-BE49-F238E27FC236}">
+                <a16:creationId xmlns:a16="http://schemas.microsoft.com/office/drawing/2014/main" id="{A08FEC9B-AEF1-0A23-545C-27620C7795D9}"/>
+              </a:ext>
+            </a:extLst>
+          </p:cNvPr>
+          <p:cNvSpPr>
+            <a:spLocks noGrp="1"/>
+          </p:cNvSpPr>
+          <p:nvPr>
+            <p:ph type="body" sz="quarter" idx="11"/>
+          </p:nvPr>
+        </p:nvSpPr>
+        <p:spPr/>
+        <p:txBody>
+          <a:bodyPr/>
+          <a:lstStyle/>
+          <a:p>
+            <a:r>
+              <a:rPr lang="en-US" dirty="0"/>
+              <a:t>PCBA can be ordered</a:t>
+            </a:r>
+          </a:p>
+        </p:txBody>
+      </p:sp>
+      <p:sp>
+        <p:nvSpPr>
+          <p:cNvPr id="4" name="Title 3">
+            <a:extLst>
+              <a:ext uri="{FF2B5EF4-FFF2-40B4-BE49-F238E27FC236}">
+                <a16:creationId xmlns:a16="http://schemas.microsoft.com/office/drawing/2014/main" id="{B00FC0DA-FCDE-E8A7-723F-68E8E5501111}"/>
+              </a:ext>
+            </a:extLst>
+          </p:cNvPr>
+          <p:cNvSpPr>
+            <a:spLocks noGrp="1"/>
+          </p:cNvSpPr>
+          <p:nvPr>
+            <p:ph type="title"/>
+          </p:nvPr>
+        </p:nvSpPr>
+        <p:spPr/>
+        <p:txBody>
+          <a:bodyPr/>
+          <a:lstStyle/>
+          <a:p>
+            <a:r>
+              <a:rPr lang="en-US" dirty="0"/>
+              <a:t>Finished Quote for PCB</a:t>
+            </a:r>
+          </a:p>
+        </p:txBody>
+      </p:sp>
+      <p:sp>
+        <p:nvSpPr>
+          <p:cNvPr id="5" name="Footer Placeholder 4">
+            <a:extLst>
+              <a:ext uri="{FF2B5EF4-FFF2-40B4-BE49-F238E27FC236}">
+                <a16:creationId xmlns:a16="http://schemas.microsoft.com/office/drawing/2014/main" id="{28E25917-864F-AD37-4D47-E60182E652B2}"/>
+              </a:ext>
+            </a:extLst>
+          </p:cNvPr>
+          <p:cNvSpPr>
+            <a:spLocks noGrp="1"/>
+          </p:cNvSpPr>
+          <p:nvPr>
+            <p:ph type="ftr" sz="quarter" idx="12"/>
+          </p:nvPr>
+        </p:nvSpPr>
+        <p:spPr/>
+        <p:txBody>
+          <a:bodyPr/>
+          <a:lstStyle/>
+          <a:p>
+            <a:pPr algn="r"/>
+            <a:r>
+              <a:rPr lang="en-US" dirty="0"/>
+              <a:t>3/7</a:t>
+            </a:r>
+          </a:p>
+        </p:txBody>
+      </p:sp>
+      <p:sp>
+        <p:nvSpPr>
+          <p:cNvPr id="8" name="Text Placeholder 7">
+            <a:extLst>
+              <a:ext uri="{FF2B5EF4-FFF2-40B4-BE49-F238E27FC236}">
+                <a16:creationId xmlns:a16="http://schemas.microsoft.com/office/drawing/2014/main" id="{64995F26-D17F-5340-CDBA-8985C3809885}"/>
+              </a:ext>
+            </a:extLst>
+          </p:cNvPr>
+          <p:cNvSpPr>
+            <a:spLocks noGrp="1"/>
+          </p:cNvSpPr>
+          <p:nvPr>
+            <p:ph type="body" sz="quarter" idx="10"/>
+          </p:nvPr>
+        </p:nvSpPr>
+        <p:spPr/>
+        <p:txBody>
+          <a:bodyPr/>
+          <a:lstStyle/>
+          <a:p>
+            <a:pPr marL="285750" indent="-285750">
+              <a:buFont typeface="Arial" panose="020B0604020202020204" pitchFamily="34" charset="0"/>
+              <a:buChar char="•"/>
+            </a:pPr>
+            <a:r>
+              <a:rPr lang="en-US" dirty="0"/>
+              <a:t>Finalized quote seen below:</a:t>
+            </a:r>
+          </a:p>
+          <a:p>
+            <a:pPr marL="628650" lvl="1" indent="-285750">
+              <a:buFont typeface="Arial" panose="020B0604020202020204" pitchFamily="34" charset="0"/>
+              <a:buChar char="•"/>
+            </a:pPr>
+            <a:r>
+              <a:rPr lang="en-US" dirty="0"/>
+              <a:t>Weight estimate is incorrect (for all parts related to assembly)</a:t>
+            </a:r>
+          </a:p>
+          <a:p>
+            <a:endParaRPr lang="en-US" dirty="0"/>
+          </a:p>
+          <a:p>
+            <a:pPr marL="285750" indent="-285750">
+              <a:buFont typeface="Arial" panose="020B0604020202020204" pitchFamily="34" charset="0"/>
+              <a:buChar char="•"/>
+            </a:pPr>
+            <a:endParaRPr lang="en-US" dirty="0"/>
+          </a:p>
+        </p:txBody>
+      </p:sp>
+      <p:pic>
+        <p:nvPicPr>
+          <p:cNvPr id="6" name="Picture 5" descr="A screenshot of a computer&#10;&#10;AI-generated content may be incorrect.">
+            <a:extLst>
+              <a:ext uri="{FF2B5EF4-FFF2-40B4-BE49-F238E27FC236}">
+                <a16:creationId xmlns:a16="http://schemas.microsoft.com/office/drawing/2014/main" id="{CDC3BF65-E28B-BCCC-147E-B3C94201D170}"/>
+              </a:ext>
+            </a:extLst>
+          </p:cNvPr>
+          <p:cNvPicPr>
+            <a:picLocks noChangeAspect="1"/>
+          </p:cNvPicPr>
+          <p:nvPr/>
+        </p:nvPicPr>
+        <p:blipFill>
+          <a:blip r:embed="rId2"/>
+          <a:stretch>
+            <a:fillRect/>
+          </a:stretch>
+        </p:blipFill>
+        <p:spPr>
+          <a:xfrm>
+            <a:off x="342900" y="2207899"/>
+            <a:ext cx="7772400" cy="3695810"/>
+          </a:xfrm>
+          <a:prstGeom prst="rect">
+            <a:avLst/>
+          </a:prstGeom>
+        </p:spPr>
+      </p:pic>
+      <mc:AlternateContent xmlns:mc="http://schemas.openxmlformats.org/markup-compatibility/2006">
+        <mc:Choice xmlns:p14="http://schemas.microsoft.com/office/powerpoint/2010/main" Requires="p14">
+          <p:contentPart p14:bwMode="auto" r:id="rId3">
+            <p14:nvContentPartPr>
+              <p14:cNvPr id="10" name="Ink 9">
+                <a:extLst>
+                  <a:ext uri="{FF2B5EF4-FFF2-40B4-BE49-F238E27FC236}">
+                    <a16:creationId xmlns:a16="http://schemas.microsoft.com/office/drawing/2014/main" id="{C7BA06DF-87E1-BC4E-5161-47D134397A23}"/>
+                  </a:ext>
+                </a:extLst>
+              </p14:cNvPr>
+              <p14:cNvContentPartPr/>
+              <p14:nvPr/>
+            </p14:nvContentPartPr>
+            <p14:xfrm>
+              <a:off x="7459255" y="1926542"/>
+              <a:ext cx="799560" cy="346680"/>
+            </p14:xfrm>
+          </p:contentPart>
+        </mc:Choice>
+        <mc:Fallback>
+          <p:pic>
+            <p:nvPicPr>
+              <p:cNvPr id="10" name="Ink 9">
+                <a:extLst>
+                  <a:ext uri="{FF2B5EF4-FFF2-40B4-BE49-F238E27FC236}">
+                    <a16:creationId xmlns:a16="http://schemas.microsoft.com/office/drawing/2014/main" id="{C7BA06DF-87E1-BC4E-5161-47D134397A23}"/>
+                  </a:ext>
+                </a:extLst>
+              </p:cNvPr>
+              <p:cNvPicPr/>
+              <p:nvPr/>
+            </p:nvPicPr>
+            <p:blipFill>
+              <a:blip r:embed="rId4"/>
+              <a:stretch>
+                <a:fillRect/>
+              </a:stretch>
+            </p:blipFill>
+            <p:spPr>
+              <a:xfrm>
+                <a:off x="7450615" y="1917902"/>
+                <a:ext cx="817200" cy="364320"/>
+              </a:xfrm>
+              <a:prstGeom prst="rect">
+                <a:avLst/>
+              </a:prstGeom>
+            </p:spPr>
+          </p:pic>
+        </mc:Fallback>
+      </mc:AlternateContent>
+    </p:spTree>
+    <p:extLst>
+      <p:ext uri="{BB962C8B-B14F-4D97-AF65-F5344CB8AC3E}">
+        <p14:creationId xmlns:p14="http://schemas.microsoft.com/office/powerpoint/2010/main" val="581741885"/>
+      </p:ext>
+    </p:extLst>
+  </p:cSld>
+  <p:clrMapOvr>
+    <a:masterClrMapping/>
+  </p:clrMapOvr>
+</p:sld>
+</file>
+
+<file path=ppt/slides/slide5.xml><?xml version="1.0" encoding="utf-8"?>
 <p:sld xmlns:a="http://schemas.openxmlformats.org/drawingml/2006/main" xmlns:r="http://schemas.openxmlformats.org/officeDocument/2006/relationships" xmlns:p="http://schemas.openxmlformats.org/presentationml/2006/main">
   <p:cSld>
     <p:spTree>
@@ -14114,85 +14366,35 @@
       </p:grpSpPr>
       <p:sp>
         <p:nvSpPr>
-          <p:cNvPr id="2" name="Text Placeholder 1">
-            <a:extLst>
-              <a:ext uri="{FF2B5EF4-FFF2-40B4-BE49-F238E27FC236}">
-                <a16:creationId xmlns:a16="http://schemas.microsoft.com/office/drawing/2014/main" id="{D73D6F0C-DD2A-39B7-89C0-FECD598E9FCA}"/>
-              </a:ext>
-            </a:extLst>
-          </p:cNvPr>
-          <p:cNvSpPr>
-            <a:spLocks noGrp="1"/>
-          </p:cNvSpPr>
-          <p:nvPr>
-            <p:ph type="body" sz="quarter" idx="11"/>
-          </p:nvPr>
-        </p:nvSpPr>
-        <p:spPr/>
-        <p:txBody>
-          <a:bodyPr/>
+          <p:cNvPr id="4" name="Title 3">
+            <a:extLst>
+              <a:ext uri="{FF2B5EF4-FFF2-40B4-BE49-F238E27FC236}">
+                <a16:creationId xmlns:a16="http://schemas.microsoft.com/office/drawing/2014/main" id="{A5CC5C2E-31DD-B39F-37F4-AE2FD8F7E084}"/>
+              </a:ext>
+            </a:extLst>
+          </p:cNvPr>
+          <p:cNvSpPr>
+            <a:spLocks noGrp="1"/>
+          </p:cNvSpPr>
+          <p:nvPr>
+            <p:ph type="title"/>
+          </p:nvPr>
+        </p:nvSpPr>
+        <p:spPr>
+          <a:xfrm>
+            <a:off x="351064" y="385004"/>
+            <a:ext cx="8450036" cy="589032"/>
+          </a:xfrm>
+        </p:spPr>
+        <p:txBody>
+          <a:bodyPr anchor="ctr">
+            <a:normAutofit/>
+          </a:bodyPr>
           <a:lstStyle/>
           <a:p>
             <a:r>
               <a:rPr lang="en-US" dirty="0"/>
-              <a:t>~20 Components on BOM, listed below</a:t>
-            </a:r>
-          </a:p>
-        </p:txBody>
-      </p:sp>
-      <p:sp>
-        <p:nvSpPr>
-          <p:cNvPr id="4" name="Title 3">
-            <a:extLst>
-              <a:ext uri="{FF2B5EF4-FFF2-40B4-BE49-F238E27FC236}">
-                <a16:creationId xmlns:a16="http://schemas.microsoft.com/office/drawing/2014/main" id="{A5CC5C2E-31DD-B39F-37F4-AE2FD8F7E084}"/>
-              </a:ext>
-            </a:extLst>
-          </p:cNvPr>
-          <p:cNvSpPr>
-            <a:spLocks noGrp="1"/>
-          </p:cNvSpPr>
-          <p:nvPr>
-            <p:ph type="title"/>
-          </p:nvPr>
-        </p:nvSpPr>
-        <p:spPr/>
-        <p:txBody>
-          <a:bodyPr/>
-          <a:lstStyle/>
-          <a:p>
-            <a:r>
-              <a:rPr lang="en-US" dirty="0"/>
-              <a:t>BOM Generation</a:t>
-            </a:r>
-          </a:p>
-        </p:txBody>
-      </p:sp>
-      <p:sp>
-        <p:nvSpPr>
-          <p:cNvPr id="5" name="Footer Placeholder 4">
-            <a:extLst>
-              <a:ext uri="{FF2B5EF4-FFF2-40B4-BE49-F238E27FC236}">
-                <a16:creationId xmlns:a16="http://schemas.microsoft.com/office/drawing/2014/main" id="{DE682037-7537-0439-3E01-B65E42678B37}"/>
-              </a:ext>
-            </a:extLst>
-          </p:cNvPr>
-          <p:cNvSpPr>
-            <a:spLocks noGrp="1"/>
-          </p:cNvSpPr>
-          <p:nvPr>
-            <p:ph type="ftr" sz="quarter" idx="12"/>
-          </p:nvPr>
-        </p:nvSpPr>
-        <p:spPr/>
-        <p:txBody>
-          <a:bodyPr/>
-          <a:lstStyle/>
-          <a:p>
-            <a:pPr algn="r"/>
-            <a:r>
-              <a:rPr lang="en-US" dirty="0"/>
-              <a:t>3/7</a:t>
+              <a:t>Mobile App Development</a:t>
             </a:r>
           </a:p>
         </p:txBody>
@@ -14210,12 +14412,19 @@
             <a:spLocks noGrp="1"/>
           </p:cNvSpPr>
           <p:nvPr>
-            <p:ph type="body" sz="quarter" idx="10"/>
-          </p:nvPr>
-        </p:nvSpPr>
-        <p:spPr/>
-        <p:txBody>
-          <a:bodyPr/>
+            <p:ph idx="12"/>
+          </p:nvPr>
+        </p:nvSpPr>
+        <p:spPr>
+          <a:xfrm>
+            <a:off x="351065" y="1543324"/>
+            <a:ext cx="4059877" cy="4390338"/>
+          </a:xfrm>
+        </p:spPr>
+        <p:txBody>
+          <a:bodyPr>
+            <a:normAutofit/>
+          </a:bodyPr>
           <a:lstStyle/>
           <a:p>
             <a:pPr marL="285750" indent="-285750">
@@ -14224,32 +14433,45 @@
             </a:pPr>
             <a:r>
               <a:rPr lang="en-US" dirty="0"/>
-              <a:t>BOM Created with JLC Extension in </a:t>
-            </a:r>
-            <a:r>
-              <a:rPr lang="en-US" dirty="0" err="1"/>
-              <a:t>KiCAD</a:t>
-            </a:r>
-            <a:r>
-              <a:rPr lang="en-US" dirty="0"/>
-              <a:t>:</a:t>
-            </a:r>
-          </a:p>
-          <a:p>
-            <a:pPr marL="285750" indent="-285750">
+              <a:t>Conversion from Web BLE -&gt; Mobile more difficult than anticipated</a:t>
+            </a:r>
+          </a:p>
+          <a:p>
+            <a:pPr marL="628650" lvl="1" indent="-285750">
               <a:buFont typeface="Arial" panose="020B0604020202020204" pitchFamily="34" charset="0"/>
               <a:buChar char="•"/>
             </a:pPr>
-            <a:endParaRPr lang="en-US" dirty="0"/>
+            <a:r>
+              <a:rPr lang="en-US" sz="1800" dirty="0"/>
+              <a:t>Needed new dependencies: Xcode, </a:t>
+            </a:r>
+            <a:r>
+              <a:rPr lang="en-US" sz="1800" dirty="0" err="1"/>
+              <a:t>CocoaPods</a:t>
+            </a:r>
+            <a:r>
+              <a:rPr lang="en-US" sz="1800" dirty="0"/>
+              <a:t>, Capacitor</a:t>
+            </a:r>
+          </a:p>
+          <a:p>
+            <a:pPr marL="628650" lvl="1" indent="-285750">
+              <a:buFont typeface="Arial" panose="020B0604020202020204" pitchFamily="34" charset="0"/>
+              <a:buChar char="•"/>
+            </a:pPr>
+            <a:r>
+              <a:rPr lang="en-US" sz="1800" dirty="0"/>
+              <a:t>Will be able to finished by next week</a:t>
+            </a:r>
           </a:p>
         </p:txBody>
       </p:sp>
       <p:pic>
         <p:nvPicPr>
-          <p:cNvPr id="6" name="Picture 5" descr="A screenshot of a calculator&#10;&#10;AI-generated content may be incorrect.">
-            <a:extLst>
-              <a:ext uri="{FF2B5EF4-FFF2-40B4-BE49-F238E27FC236}">
-                <a16:creationId xmlns:a16="http://schemas.microsoft.com/office/drawing/2014/main" id="{DD72EB81-DAE4-1B6E-3C86-E99BB51F72E7}"/>
+          <p:cNvPr id="3" name="Picture 2">
+            <a:extLst>
+              <a:ext uri="{FF2B5EF4-FFF2-40B4-BE49-F238E27FC236}">
+                <a16:creationId xmlns:a16="http://schemas.microsoft.com/office/drawing/2014/main" id="{CC05560D-BA79-470A-D2D2-798491EA1DDA}"/>
               </a:ext>
             </a:extLst>
           </p:cNvPr>
@@ -14260,257 +14482,101 @@
         </p:nvPicPr>
         <p:blipFill>
           <a:blip r:embed="rId2"/>
+          <a:srcRect l="18162" r="15335" b="-2"/>
           <a:stretch>
             <a:fillRect/>
           </a:stretch>
         </p:blipFill>
         <p:spPr>
           <a:xfrm>
-            <a:off x="457200" y="2058570"/>
-            <a:ext cx="7772400" cy="3556585"/>
+            <a:off x="4731868" y="1543324"/>
+            <a:ext cx="4069232" cy="4390338"/>
           </a:xfrm>
           <a:prstGeom prst="rect">
             <a:avLst/>
           </a:prstGeom>
+          <a:noFill/>
         </p:spPr>
       </p:pic>
+      <p:sp>
+        <p:nvSpPr>
+          <p:cNvPr id="2" name="Text Placeholder 1">
+            <a:extLst>
+              <a:ext uri="{FF2B5EF4-FFF2-40B4-BE49-F238E27FC236}">
+                <a16:creationId xmlns:a16="http://schemas.microsoft.com/office/drawing/2014/main" id="{D73D6F0C-DD2A-39B7-89C0-FECD598E9FCA}"/>
+              </a:ext>
+            </a:extLst>
+          </p:cNvPr>
+          <p:cNvSpPr>
+            <a:spLocks noGrp="1"/>
+          </p:cNvSpPr>
+          <p:nvPr>
+            <p:ph type="body" sz="quarter" idx="11"/>
+          </p:nvPr>
+        </p:nvSpPr>
+        <p:spPr>
+          <a:xfrm>
+            <a:off x="342900" y="954291"/>
+            <a:ext cx="8458200" cy="365760"/>
+          </a:xfrm>
+        </p:spPr>
+        <p:txBody>
+          <a:bodyPr>
+            <a:normAutofit lnSpcReduction="10000"/>
+          </a:bodyPr>
+          <a:lstStyle/>
+          <a:p>
+            <a:r>
+              <a:rPr lang="en-US" dirty="0"/>
+              <a:t>Frontend Design Started</a:t>
+            </a:r>
+          </a:p>
+        </p:txBody>
+      </p:sp>
+      <p:sp>
+        <p:nvSpPr>
+          <p:cNvPr id="5" name="Footer Placeholder 4">
+            <a:extLst>
+              <a:ext uri="{FF2B5EF4-FFF2-40B4-BE49-F238E27FC236}">
+                <a16:creationId xmlns:a16="http://schemas.microsoft.com/office/drawing/2014/main" id="{DE682037-7537-0439-3E01-B65E42678B37}"/>
+              </a:ext>
+            </a:extLst>
+          </p:cNvPr>
+          <p:cNvSpPr>
+            <a:spLocks noGrp="1"/>
+          </p:cNvSpPr>
+          <p:nvPr>
+            <p:ph type="ftr" sz="quarter" idx="14"/>
+          </p:nvPr>
+        </p:nvSpPr>
+        <p:spPr>
+          <a:xfrm>
+            <a:off x="7461174" y="6295058"/>
+            <a:ext cx="1339925" cy="323970"/>
+          </a:xfrm>
+        </p:spPr>
+        <p:txBody>
+          <a:bodyPr anchor="ctr">
+            <a:normAutofit/>
+          </a:bodyPr>
+          <a:lstStyle/>
+          <a:p>
+            <a:pPr algn="r">
+              <a:spcAft>
+                <a:spcPts val="600"/>
+              </a:spcAft>
+            </a:pPr>
+            <a:r>
+              <a:rPr lang="en-US"/>
+              <a:t>3/7</a:t>
+            </a:r>
+          </a:p>
+        </p:txBody>
+      </p:sp>
     </p:spTree>
     <p:extLst>
       <p:ext uri="{BB962C8B-B14F-4D97-AF65-F5344CB8AC3E}">
         <p14:creationId xmlns:p14="http://schemas.microsoft.com/office/powerpoint/2010/main" val="2599566826"/>
-      </p:ext>
-    </p:extLst>
-  </p:cSld>
-  <p:clrMapOvr>
-    <a:masterClrMapping/>
-  </p:clrMapOvr>
-</p:sld>
-</file>
-
-<file path=ppt/slides/slide5.xml><?xml version="1.0" encoding="utf-8"?>
-<p:sld xmlns:a="http://schemas.openxmlformats.org/drawingml/2006/main" xmlns:r="http://schemas.openxmlformats.org/officeDocument/2006/relationships" xmlns:p="http://schemas.openxmlformats.org/presentationml/2006/main">
-  <p:cSld>
-    <p:spTree>
-      <p:nvGrpSpPr>
-        <p:cNvPr id="1" name="">
-          <a:extLst>
-            <a:ext uri="{FF2B5EF4-FFF2-40B4-BE49-F238E27FC236}">
-              <a16:creationId xmlns:a16="http://schemas.microsoft.com/office/drawing/2014/main" id="{978C2B53-2197-AC10-8B86-1BCC7770FD9C}"/>
-            </a:ext>
-          </a:extLst>
-        </p:cNvPr>
-        <p:cNvGrpSpPr/>
-        <p:nvPr/>
-      </p:nvGrpSpPr>
-      <p:grpSpPr>
-        <a:xfrm>
-          <a:off x="0" y="0"/>
-          <a:ext cx="0" cy="0"/>
-          <a:chOff x="0" y="0"/>
-          <a:chExt cx="0" cy="0"/>
-        </a:xfrm>
-      </p:grpSpPr>
-      <p:sp>
-        <p:nvSpPr>
-          <p:cNvPr id="2" name="Text Placeholder 1">
-            <a:extLst>
-              <a:ext uri="{FF2B5EF4-FFF2-40B4-BE49-F238E27FC236}">
-                <a16:creationId xmlns:a16="http://schemas.microsoft.com/office/drawing/2014/main" id="{7651B4A9-8CF2-38F7-71B8-62262839633E}"/>
-              </a:ext>
-            </a:extLst>
-          </p:cNvPr>
-          <p:cNvSpPr>
-            <a:spLocks noGrp="1"/>
-          </p:cNvSpPr>
-          <p:nvPr>
-            <p:ph type="body" sz="quarter" idx="11"/>
-          </p:nvPr>
-        </p:nvSpPr>
-        <p:spPr/>
-        <p:txBody>
-          <a:bodyPr/>
-          <a:lstStyle/>
-          <a:p>
-            <a:r>
-              <a:rPr lang="en-US" dirty="0"/>
-              <a:t>Several Different Design Choices</a:t>
-            </a:r>
-          </a:p>
-        </p:txBody>
-      </p:sp>
-      <p:sp>
-        <p:nvSpPr>
-          <p:cNvPr id="4" name="Title 3">
-            <a:extLst>
-              <a:ext uri="{FF2B5EF4-FFF2-40B4-BE49-F238E27FC236}">
-                <a16:creationId xmlns:a16="http://schemas.microsoft.com/office/drawing/2014/main" id="{BB54DDBE-B804-6A26-AE7A-CDF5C53299AD}"/>
-              </a:ext>
-            </a:extLst>
-          </p:cNvPr>
-          <p:cNvSpPr>
-            <a:spLocks noGrp="1"/>
-          </p:cNvSpPr>
-          <p:nvPr>
-            <p:ph type="title"/>
-          </p:nvPr>
-        </p:nvSpPr>
-        <p:spPr/>
-        <p:txBody>
-          <a:bodyPr/>
-          <a:lstStyle/>
-          <a:p>
-            <a:r>
-              <a:rPr lang="en-US" dirty="0"/>
-              <a:t>Final Routing</a:t>
-            </a:r>
-          </a:p>
-        </p:txBody>
-      </p:sp>
-      <p:sp>
-        <p:nvSpPr>
-          <p:cNvPr id="5" name="Footer Placeholder 4">
-            <a:extLst>
-              <a:ext uri="{FF2B5EF4-FFF2-40B4-BE49-F238E27FC236}">
-                <a16:creationId xmlns:a16="http://schemas.microsoft.com/office/drawing/2014/main" id="{5817A11C-BF3B-D4DF-40CF-3030919CADCF}"/>
-              </a:ext>
-            </a:extLst>
-          </p:cNvPr>
-          <p:cNvSpPr>
-            <a:spLocks noGrp="1"/>
-          </p:cNvSpPr>
-          <p:nvPr>
-            <p:ph type="ftr" sz="quarter" idx="12"/>
-          </p:nvPr>
-        </p:nvSpPr>
-        <p:spPr/>
-        <p:txBody>
-          <a:bodyPr/>
-          <a:lstStyle/>
-          <a:p>
-            <a:pPr algn="r"/>
-            <a:r>
-              <a:rPr lang="en-US" dirty="0"/>
-              <a:t>3/7</a:t>
-            </a:r>
-          </a:p>
-        </p:txBody>
-      </p:sp>
-      <p:sp>
-        <p:nvSpPr>
-          <p:cNvPr id="8" name="Text Placeholder 7">
-            <a:extLst>
-              <a:ext uri="{FF2B5EF4-FFF2-40B4-BE49-F238E27FC236}">
-                <a16:creationId xmlns:a16="http://schemas.microsoft.com/office/drawing/2014/main" id="{0E4D6CF3-D177-4972-CB7D-29A6E26FC5FC}"/>
-              </a:ext>
-            </a:extLst>
-          </p:cNvPr>
-          <p:cNvSpPr>
-            <a:spLocks noGrp="1"/>
-          </p:cNvSpPr>
-          <p:nvPr>
-            <p:ph type="body" sz="quarter" idx="10"/>
-          </p:nvPr>
-        </p:nvSpPr>
-        <p:spPr/>
-        <p:txBody>
-          <a:bodyPr/>
-          <a:lstStyle/>
-          <a:p>
-            <a:pPr marL="285750" indent="-285750">
-              <a:buFont typeface="Arial" panose="020B0604020202020204" pitchFamily="34" charset="0"/>
-              <a:buChar char="•"/>
-            </a:pPr>
-            <a:r>
-              <a:rPr lang="en-US" dirty="0"/>
-              <a:t>Finished Rev. 1 Design</a:t>
-            </a:r>
-          </a:p>
-          <a:p>
-            <a:pPr marL="628650" lvl="1" indent="-285750">
-              <a:buFont typeface="Arial" panose="020B0604020202020204" pitchFamily="34" charset="0"/>
-              <a:buChar char="•"/>
-            </a:pPr>
-            <a:r>
-              <a:rPr lang="en-US" dirty="0"/>
-              <a:t>Slightly larger frame for PCB than (insufficient area to increase price)</a:t>
-            </a:r>
-          </a:p>
-          <a:p>
-            <a:pPr marL="628650" lvl="1" indent="-285750">
-              <a:buFont typeface="Arial" panose="020B0604020202020204" pitchFamily="34" charset="0"/>
-              <a:buChar char="•"/>
-            </a:pPr>
-            <a:r>
-              <a:rPr lang="en-US" dirty="0"/>
-              <a:t>8 vias (1 may be cause of concern)</a:t>
-            </a:r>
-          </a:p>
-        </p:txBody>
-      </p:sp>
-      <p:pic>
-        <p:nvPicPr>
-          <p:cNvPr id="7" name="Picture 6" descr="A green circuit board with a black microchip&#10;&#10;AI-generated content may be incorrect.">
-            <a:extLst>
-              <a:ext uri="{FF2B5EF4-FFF2-40B4-BE49-F238E27FC236}">
-                <a16:creationId xmlns:a16="http://schemas.microsoft.com/office/drawing/2014/main" id="{4773908B-57F9-8418-D9F5-C98EEB592F72}"/>
-              </a:ext>
-            </a:extLst>
-          </p:cNvPr>
-          <p:cNvPicPr>
-            <a:picLocks noChangeAspect="1"/>
-          </p:cNvPicPr>
-          <p:nvPr/>
-        </p:nvPicPr>
-        <p:blipFill>
-          <a:blip r:embed="rId2"/>
-          <a:stretch>
-            <a:fillRect/>
-          </a:stretch>
-        </p:blipFill>
-        <p:spPr>
-          <a:xfrm>
-            <a:off x="5627077" y="2689941"/>
-            <a:ext cx="3174022" cy="3531362"/>
-          </a:xfrm>
-          <a:prstGeom prst="rect">
-            <a:avLst/>
-          </a:prstGeom>
-        </p:spPr>
-      </p:pic>
-      <p:pic>
-        <p:nvPicPr>
-          <p:cNvPr id="12" name="Picture 11" descr="A green circuit board with white wires and yellow circles&#10;&#10;AI-generated content may be incorrect.">
-            <a:extLst>
-              <a:ext uri="{FF2B5EF4-FFF2-40B4-BE49-F238E27FC236}">
-                <a16:creationId xmlns:a16="http://schemas.microsoft.com/office/drawing/2014/main" id="{E00003FF-B0E1-194F-55DE-E13100E1F9F5}"/>
-              </a:ext>
-            </a:extLst>
-          </p:cNvPr>
-          <p:cNvPicPr>
-            <a:picLocks noChangeAspect="1"/>
-          </p:cNvPicPr>
-          <p:nvPr/>
-        </p:nvPicPr>
-        <p:blipFill>
-          <a:blip r:embed="rId3"/>
-          <a:stretch>
-            <a:fillRect/>
-          </a:stretch>
-        </p:blipFill>
-        <p:spPr>
-          <a:xfrm>
-            <a:off x="591386" y="2705856"/>
-            <a:ext cx="3980614" cy="3515447"/>
-          </a:xfrm>
-          <a:prstGeom prst="rect">
-            <a:avLst/>
-          </a:prstGeom>
-        </p:spPr>
-      </p:pic>
-    </p:spTree>
-    <p:extLst>
-      <p:ext uri="{BB962C8B-B14F-4D97-AF65-F5344CB8AC3E}">
-        <p14:creationId xmlns:p14="http://schemas.microsoft.com/office/powerpoint/2010/main" val="2358453131"/>
       </p:ext>
     </p:extLst>
   </p:cSld>
@@ -14528,7 +14594,7 @@
         <p:cNvPr id="1" name="">
           <a:extLst>
             <a:ext uri="{FF2B5EF4-FFF2-40B4-BE49-F238E27FC236}">
-              <a16:creationId xmlns:a16="http://schemas.microsoft.com/office/drawing/2014/main" id="{4CD40A8B-44A3-C624-A5E5-1DAAE432FCDC}"/>
+              <a16:creationId xmlns:a16="http://schemas.microsoft.com/office/drawing/2014/main" id="{44028286-F58B-A4CA-D0BA-8FD79BC50B3D}"/>
             </a:ext>
           </a:extLst>
         </p:cNvPr>
@@ -14548,7 +14614,7 @@
           <p:cNvPr id="4" name="Title 3">
             <a:extLst>
               <a:ext uri="{FF2B5EF4-FFF2-40B4-BE49-F238E27FC236}">
-                <a16:creationId xmlns:a16="http://schemas.microsoft.com/office/drawing/2014/main" id="{C828196B-E023-FAA1-F04E-669C361F96D1}"/>
+                <a16:creationId xmlns:a16="http://schemas.microsoft.com/office/drawing/2014/main" id="{46A6B5A1-51A8-7F01-0F2C-1526D571BDD7}"/>
               </a:ext>
             </a:extLst>
           </p:cNvPr>
@@ -14573,7 +14639,7 @@
           <a:p>
             <a:r>
               <a:rPr lang="en-US" dirty="0"/>
-              <a:t>Final Routing</a:t>
+              <a:t>Mobile App Development</a:t>
             </a:r>
           </a:p>
         </p:txBody>
@@ -14583,7 +14649,7 @@
           <p:cNvPr id="8" name="Text Placeholder 7">
             <a:extLst>
               <a:ext uri="{FF2B5EF4-FFF2-40B4-BE49-F238E27FC236}">
-                <a16:creationId xmlns:a16="http://schemas.microsoft.com/office/drawing/2014/main" id="{D160473B-FE64-EE86-7EA7-373C94DF95FD}"/>
+                <a16:creationId xmlns:a16="http://schemas.microsoft.com/office/drawing/2014/main" id="{BF009817-44D2-A8D0-C29C-873EE87C3A89}"/>
               </a:ext>
             </a:extLst>
           </p:cNvPr>
@@ -14612,7 +14678,7 @@
             </a:pPr>
             <a:r>
               <a:rPr lang="en-US" dirty="0"/>
-              <a:t>Location of vias and rest of board shown below</a:t>
+              <a:t>Basic view of iPad app seen below</a:t>
             </a:r>
           </a:p>
           <a:p>
@@ -14622,40 +14688,75 @@
             </a:pPr>
             <a:r>
               <a:rPr lang="en-US" dirty="0"/>
-              <a:t>Would prefer review of 1+ other individuals</a:t>
+              <a:t>Basic functionality of the web version (with Bluetooth), with redundant feature removed</a:t>
+            </a:r>
+          </a:p>
+          <a:p>
+            <a:pPr marL="285750" indent="-285750">
+              <a:buFont typeface="Arial" panose="020B0604020202020204" pitchFamily="34" charset="0"/>
+              <a:buChar char="•"/>
+            </a:pPr>
+            <a:r>
+              <a:rPr lang="en-US" dirty="0"/>
+              <a:t>Need to ask </a:t>
+            </a:r>
+            <a:r>
+              <a:rPr lang="en-US" dirty="0" err="1"/>
+              <a:t>Omosalewa</a:t>
+            </a:r>
+            <a:r>
+              <a:rPr lang="en-US" dirty="0"/>
+              <a:t> if she believes additional features would benefit the app</a:t>
             </a:r>
           </a:p>
         </p:txBody>
       </p:sp>
       <p:pic>
         <p:nvPicPr>
-          <p:cNvPr id="6" name="Picture 5" descr="A computer screen shot of a circuit board&#10;&#10;AI-generated content may be incorrect.">
-            <a:extLst>
-              <a:ext uri="{FF2B5EF4-FFF2-40B4-BE49-F238E27FC236}">
-                <a16:creationId xmlns:a16="http://schemas.microsoft.com/office/drawing/2014/main" id="{5905BBDA-A410-DC80-CD3C-8DECA6A5A957}"/>
+          <p:cNvPr id="1026" name="Picture 2" descr="Generated image">
+            <a:extLst>
+              <a:ext uri="{FF2B5EF4-FFF2-40B4-BE49-F238E27FC236}">
+                <a16:creationId xmlns:a16="http://schemas.microsoft.com/office/drawing/2014/main" id="{B729D2F1-948C-267C-FFF5-AB7A53A4D256}"/>
               </a:ext>
             </a:extLst>
           </p:cNvPr>
           <p:cNvPicPr>
-            <a:picLocks noChangeAspect="1"/>
+            <a:picLocks noChangeAspect="1" noChangeArrowheads="1"/>
           </p:cNvPicPr>
           <p:nvPr/>
         </p:nvPicPr>
         <p:blipFill>
-          <a:blip r:embed="rId2"/>
+          <a:blip r:embed="rId2">
+            <a:extLst>
+              <a:ext uri="{28A0092B-C50C-407E-A947-70E740481C1C}">
+                <a14:useLocalDpi xmlns:a14="http://schemas.microsoft.com/office/drawing/2010/main" val="0"/>
+              </a:ext>
+            </a:extLst>
+          </a:blip>
           <a:stretch>
             <a:fillRect/>
           </a:stretch>
         </p:blipFill>
-        <p:spPr>
-          <a:xfrm>
-            <a:off x="4731868" y="1562433"/>
-            <a:ext cx="4069232" cy="4352120"/>
+        <p:spPr bwMode="auto">
+          <a:xfrm>
+            <a:off x="4731868" y="2380387"/>
+            <a:ext cx="4069232" cy="2716211"/>
           </a:xfrm>
           <a:prstGeom prst="rect">
             <a:avLst/>
           </a:prstGeom>
-          <a:noFill/>
+          <a:solidFill>
+            <a:srgbClr val="FFFFFF"/>
+          </a:solidFill>
+          <a:extLst>
+            <a:ext uri="{909E8E84-426E-40DD-AFC4-6F175D3DCCD1}">
+              <a14:hiddenFill xmlns:a14="http://schemas.microsoft.com/office/drawing/2010/main">
+                <a:solidFill>
+                  <a:srgbClr val="FFFFFF"/>
+                </a:solidFill>
+              </a14:hiddenFill>
+            </a:ext>
+          </a:extLst>
         </p:spPr>
       </p:pic>
       <p:sp>
@@ -14663,7 +14764,7 @@
           <p:cNvPr id="2" name="Text Placeholder 1">
             <a:extLst>
               <a:ext uri="{FF2B5EF4-FFF2-40B4-BE49-F238E27FC236}">
-                <a16:creationId xmlns:a16="http://schemas.microsoft.com/office/drawing/2014/main" id="{730E65DA-509E-6030-E8CC-6C75F0BB5F15}"/>
+                <a16:creationId xmlns:a16="http://schemas.microsoft.com/office/drawing/2014/main" id="{F2082681-7121-5884-FA79-C843BBC61793}"/>
               </a:ext>
             </a:extLst>
           </p:cNvPr>
@@ -14688,7 +14789,7 @@
           <a:p>
             <a:r>
               <a:rPr lang="en-US" dirty="0"/>
-              <a:t>Traces on PCB Board</a:t>
+              <a:t>Backend Framework of App</a:t>
             </a:r>
           </a:p>
         </p:txBody>
@@ -14698,7 +14799,7 @@
           <p:cNvPr id="5" name="Footer Placeholder 4">
             <a:extLst>
               <a:ext uri="{FF2B5EF4-FFF2-40B4-BE49-F238E27FC236}">
-                <a16:creationId xmlns:a16="http://schemas.microsoft.com/office/drawing/2014/main" id="{A4174F78-24E3-D53A-0614-275F8BF48320}"/>
+                <a16:creationId xmlns:a16="http://schemas.microsoft.com/office/drawing/2014/main" id="{85D49631-F52B-6D5D-133A-62ED0B699C30}"/>
               </a:ext>
             </a:extLst>
           </p:cNvPr>
@@ -14727,17 +14828,16 @@
               </a:spcAft>
             </a:pPr>
             <a:r>
-              <a:rPr lang="en-US" dirty="0"/>
+              <a:rPr lang="en-US"/>
               <a:t>3/7</a:t>
             </a:r>
-            <a:endParaRPr lang="en-US"/>
           </a:p>
         </p:txBody>
       </p:sp>
     </p:spTree>
     <p:extLst>
       <p:ext uri="{BB962C8B-B14F-4D97-AF65-F5344CB8AC3E}">
-        <p14:creationId xmlns:p14="http://schemas.microsoft.com/office/powerpoint/2010/main" val="3005701121"/>
+        <p14:creationId xmlns:p14="http://schemas.microsoft.com/office/powerpoint/2010/main" val="3951893408"/>
       </p:ext>
     </p:extLst>
   </p:cSld>
@@ -14748,205 +14848,6 @@
 </file>
 
 <file path=ppt/slides/slide7.xml><?xml version="1.0" encoding="utf-8"?>
-<p:sld xmlns:a="http://schemas.openxmlformats.org/drawingml/2006/main" xmlns:r="http://schemas.openxmlformats.org/officeDocument/2006/relationships" xmlns:p="http://schemas.openxmlformats.org/presentationml/2006/main">
-  <p:cSld>
-    <p:spTree>
-      <p:nvGrpSpPr>
-        <p:cNvPr id="1" name="">
-          <a:extLst>
-            <a:ext uri="{FF2B5EF4-FFF2-40B4-BE49-F238E27FC236}">
-              <a16:creationId xmlns:a16="http://schemas.microsoft.com/office/drawing/2014/main" id="{0D5A71EC-2697-80FB-9277-F0CEA131DFFA}"/>
-            </a:ext>
-          </a:extLst>
-        </p:cNvPr>
-        <p:cNvGrpSpPr/>
-        <p:nvPr/>
-      </p:nvGrpSpPr>
-      <p:grpSpPr>
-        <a:xfrm>
-          <a:off x="0" y="0"/>
-          <a:ext cx="0" cy="0"/>
-          <a:chOff x="0" y="0"/>
-          <a:chExt cx="0" cy="0"/>
-        </a:xfrm>
-      </p:grpSpPr>
-      <p:sp>
-        <p:nvSpPr>
-          <p:cNvPr id="2" name="Text Placeholder 1">
-            <a:extLst>
-              <a:ext uri="{FF2B5EF4-FFF2-40B4-BE49-F238E27FC236}">
-                <a16:creationId xmlns:a16="http://schemas.microsoft.com/office/drawing/2014/main" id="{C5BA75B2-624D-50AB-BEEF-04B117AC9108}"/>
-              </a:ext>
-            </a:extLst>
-          </p:cNvPr>
-          <p:cNvSpPr>
-            <a:spLocks noGrp="1"/>
-          </p:cNvSpPr>
-          <p:nvPr>
-            <p:ph type="body" sz="quarter" idx="11"/>
-          </p:nvPr>
-        </p:nvSpPr>
-        <p:spPr/>
-        <p:txBody>
-          <a:bodyPr/>
-          <a:lstStyle/>
-          <a:p>
-            <a:r>
-              <a:rPr lang="en-US" dirty="0"/>
-              <a:t>From JLCPCB’s website with .</a:t>
-            </a:r>
-            <a:r>
-              <a:rPr lang="en-US" dirty="0" err="1"/>
-              <a:t>bom</a:t>
-            </a:r>
-            <a:r>
-              <a:rPr lang="en-US" dirty="0"/>
-              <a:t> and .</a:t>
-            </a:r>
-            <a:r>
-              <a:rPr lang="en-US" dirty="0" err="1"/>
-              <a:t>gerber</a:t>
-            </a:r>
-            <a:r>
-              <a:rPr lang="en-US" dirty="0"/>
-              <a:t> and .pos files</a:t>
-            </a:r>
-          </a:p>
-        </p:txBody>
-      </p:sp>
-      <p:sp>
-        <p:nvSpPr>
-          <p:cNvPr id="4" name="Title 3">
-            <a:extLst>
-              <a:ext uri="{FF2B5EF4-FFF2-40B4-BE49-F238E27FC236}">
-                <a16:creationId xmlns:a16="http://schemas.microsoft.com/office/drawing/2014/main" id="{C0A6A229-63AC-6D57-ED86-FE124BD4A913}"/>
-              </a:ext>
-            </a:extLst>
-          </p:cNvPr>
-          <p:cNvSpPr>
-            <a:spLocks noGrp="1"/>
-          </p:cNvSpPr>
-          <p:nvPr>
-            <p:ph type="title"/>
-          </p:nvPr>
-        </p:nvSpPr>
-        <p:spPr/>
-        <p:txBody>
-          <a:bodyPr/>
-          <a:lstStyle/>
-          <a:p>
-            <a:r>
-              <a:rPr lang="en-US" dirty="0"/>
-              <a:t>Ordering PCB</a:t>
-            </a:r>
-          </a:p>
-        </p:txBody>
-      </p:sp>
-      <p:sp>
-        <p:nvSpPr>
-          <p:cNvPr id="5" name="Footer Placeholder 4">
-            <a:extLst>
-              <a:ext uri="{FF2B5EF4-FFF2-40B4-BE49-F238E27FC236}">
-                <a16:creationId xmlns:a16="http://schemas.microsoft.com/office/drawing/2014/main" id="{53853263-3496-A1F5-90B2-7573652589C3}"/>
-              </a:ext>
-            </a:extLst>
-          </p:cNvPr>
-          <p:cNvSpPr>
-            <a:spLocks noGrp="1"/>
-          </p:cNvSpPr>
-          <p:nvPr>
-            <p:ph type="ftr" sz="quarter" idx="12"/>
-          </p:nvPr>
-        </p:nvSpPr>
-        <p:spPr/>
-        <p:txBody>
-          <a:bodyPr/>
-          <a:lstStyle/>
-          <a:p>
-            <a:pPr algn="r"/>
-            <a:r>
-              <a:rPr lang="en-US" dirty="0"/>
-              <a:t>3/7</a:t>
-            </a:r>
-          </a:p>
-        </p:txBody>
-      </p:sp>
-      <p:sp>
-        <p:nvSpPr>
-          <p:cNvPr id="8" name="Text Placeholder 7">
-            <a:extLst>
-              <a:ext uri="{FF2B5EF4-FFF2-40B4-BE49-F238E27FC236}">
-                <a16:creationId xmlns:a16="http://schemas.microsoft.com/office/drawing/2014/main" id="{DEC8EC73-47C8-62B5-237A-E22B604B8D36}"/>
-              </a:ext>
-            </a:extLst>
-          </p:cNvPr>
-          <p:cNvSpPr>
-            <a:spLocks noGrp="1"/>
-          </p:cNvSpPr>
-          <p:nvPr>
-            <p:ph type="body" sz="quarter" idx="10"/>
-          </p:nvPr>
-        </p:nvSpPr>
-        <p:spPr/>
-        <p:txBody>
-          <a:bodyPr/>
-          <a:lstStyle/>
-          <a:p>
-            <a:pPr marL="285750" indent="-285750">
-              <a:buFont typeface="Arial" panose="020B0604020202020204" pitchFamily="34" charset="0"/>
-              <a:buChar char="•"/>
-            </a:pPr>
-            <a:r>
-              <a:rPr lang="en-US" dirty="0"/>
-              <a:t>Quote around $23 without assembly, $59 with assembly</a:t>
-            </a:r>
-          </a:p>
-        </p:txBody>
-      </p:sp>
-      <p:pic>
-        <p:nvPicPr>
-          <p:cNvPr id="6" name="Picture 5" descr="A screenshot of a screenshot of a website&#10;&#10;AI-generated content may be incorrect.">
-            <a:extLst>
-              <a:ext uri="{FF2B5EF4-FFF2-40B4-BE49-F238E27FC236}">
-                <a16:creationId xmlns:a16="http://schemas.microsoft.com/office/drawing/2014/main" id="{86FED774-5C96-FFA0-13EC-0E539CF0DF49}"/>
-              </a:ext>
-            </a:extLst>
-          </p:cNvPr>
-          <p:cNvPicPr>
-            <a:picLocks noChangeAspect="1"/>
-          </p:cNvPicPr>
-          <p:nvPr/>
-        </p:nvPicPr>
-        <p:blipFill>
-          <a:blip r:embed="rId2"/>
-          <a:stretch>
-            <a:fillRect/>
-          </a:stretch>
-        </p:blipFill>
-        <p:spPr>
-          <a:xfrm>
-            <a:off x="257908" y="1908536"/>
-            <a:ext cx="7772400" cy="3406140"/>
-          </a:xfrm>
-          <a:prstGeom prst="rect">
-            <a:avLst/>
-          </a:prstGeom>
-        </p:spPr>
-      </p:pic>
-    </p:spTree>
-    <p:extLst>
-      <p:ext uri="{BB962C8B-B14F-4D97-AF65-F5344CB8AC3E}">
-        <p14:creationId xmlns:p14="http://schemas.microsoft.com/office/powerpoint/2010/main" val="3655412201"/>
-      </p:ext>
-    </p:extLst>
-  </p:cSld>
-  <p:clrMapOvr>
-    <a:masterClrMapping/>
-  </p:clrMapOvr>
-</p:sld>
-</file>
-
-<file path=ppt/slides/slide8.xml><?xml version="1.0" encoding="utf-8"?>
 <p:sld xmlns:a="http://schemas.openxmlformats.org/drawingml/2006/main" xmlns:r="http://schemas.openxmlformats.org/officeDocument/2006/relationships" xmlns:p="http://schemas.openxmlformats.org/presentationml/2006/main">
   <p:cSld>
     <p:spTree>
@@ -15018,7 +14919,7 @@
             </a:pPr>
             <a:r>
               <a:rPr lang="en-US" dirty="0"/>
-              <a:t>Hear back on Resistive vs. Capacitive Sensors</a:t>
+              <a:t>Finish Mobile App Development</a:t>
             </a:r>
           </a:p>
           <a:p>
@@ -15028,7 +14929,30 @@
             </a:pPr>
             <a:r>
               <a:rPr lang="en-US" dirty="0"/>
-              <a:t>Order PCBs before break</a:t>
+              <a:t>Add Data Logging Functionality for </a:t>
+            </a:r>
+          </a:p>
+          <a:p>
+            <a:pPr marL="285750" indent="-285750">
+              <a:buFont typeface="Arial" panose="020B0604020202020204" pitchFamily="34" charset="0"/>
+              <a:buChar char="•"/>
+            </a:pPr>
+            <a:endParaRPr lang="en-US" dirty="0"/>
+          </a:p>
+          <a:p>
+            <a:r>
+              <a:rPr lang="en-US" dirty="0"/>
+              <a:t>Blockers:</a:t>
+            </a:r>
+          </a:p>
+          <a:p>
+            <a:pPr marL="285750" indent="-285750">
+              <a:buFont typeface="Arial" panose="020B0604020202020204" pitchFamily="34" charset="0"/>
+              <a:buChar char="•"/>
+            </a:pPr>
+            <a:r>
+              <a:rPr lang="en-US" dirty="0"/>
+              <a:t>Dependency Issues with several iOS development environments</a:t>
             </a:r>
           </a:p>
           <a:p>
@@ -15037,19 +14961,10 @@
               <a:buChar char="•"/>
             </a:pPr>
             <a:r>
-              <a:rPr lang="en-US" dirty="0"/>
-              <a:t>Fill out form 12 from ordering office</a:t>
-            </a:r>
-          </a:p>
-          <a:p>
-            <a:pPr marL="285750" indent="-285750">
-              <a:buFont typeface="Arial" panose="020B0604020202020204" pitchFamily="34" charset="0"/>
-              <a:buChar char="•"/>
-            </a:pPr>
-            <a:r>
-              <a:rPr lang="en-US" dirty="0"/>
-              <a:t>Work on app store application</a:t>
-            </a:r>
+              <a:rPr lang="en-US" dirty="0" err="1"/>
+              <a:t>CocoaPods</a:t>
+            </a:r>
+            <a:endParaRPr lang="en-US" dirty="0"/>
           </a:p>
           <a:p>
             <a:pPr marL="628650" lvl="1" indent="-285750">
@@ -15058,8 +14973,25 @@
             </a:pPr>
             <a:r>
               <a:rPr lang="en-US" dirty="0"/>
-              <a:t>Developer app for monitoring Niclas + Sensors</a:t>
-            </a:r>
+              <a:t>NPM</a:t>
+            </a:r>
+          </a:p>
+          <a:p>
+            <a:pPr marL="628650" lvl="1" indent="-285750">
+              <a:buFont typeface="Arial" panose="020B0604020202020204" pitchFamily="34" charset="0"/>
+              <a:buChar char="•"/>
+            </a:pPr>
+            <a:r>
+              <a:rPr lang="en-US" dirty="0"/>
+              <a:t>Capacitor</a:t>
+            </a:r>
+          </a:p>
+          <a:p>
+            <a:pPr marL="628650" lvl="1" indent="-285750">
+              <a:buFont typeface="Arial" panose="020B0604020202020204" pitchFamily="34" charset="0"/>
+              <a:buChar char="•"/>
+            </a:pPr>
+            <a:endParaRPr lang="en-US" dirty="0"/>
           </a:p>
         </p:txBody>
       </p:sp>
@@ -15133,7 +15065,7 @@
 </p:sld>
 </file>
 
-<file path=ppt/slides/slide9.xml><?xml version="1.0" encoding="utf-8"?>
+<file path=ppt/slides/slide8.xml><?xml version="1.0" encoding="utf-8"?>
 <p:sld xmlns:a="http://schemas.openxmlformats.org/drawingml/2006/main" xmlns:r="http://schemas.openxmlformats.org/officeDocument/2006/relationships" xmlns:p="http://schemas.openxmlformats.org/presentationml/2006/main">
   <p:cSld>
     <p:spTree>
